--- a/Week3/Week 3 Brute Force.pptx
+++ b/Week3/Week 3 Brute Force.pptx
@@ -196,7 +196,7 @@
           <a:p>
             <a:fld id="{E62C35BB-CE26-44D7-B5D9-25A8FB5F8715}" type="datetimeFigureOut">
               <a:rPr lang="nl-NL" smtClean="0"/>
-              <a:t>2-12-2015</a:t>
+              <a:t>3-12-2015</a:t>
             </a:fld>
             <a:endParaRPr lang="nl-NL"/>
           </a:p>
@@ -1196,7 +1196,7 @@
           <a:p>
             <a:fld id="{92CFB954-93AE-443C-9105-0400A69CD1D8}" type="datetimeFigureOut">
               <a:rPr lang="nl-NL" smtClean="0"/>
-              <a:t>2-12-2015</a:t>
+              <a:t>3-12-2015</a:t>
             </a:fld>
             <a:endParaRPr lang="nl-NL"/>
           </a:p>
@@ -1392,7 +1392,7 @@
           <a:p>
             <a:fld id="{92CFB954-93AE-443C-9105-0400A69CD1D8}" type="datetimeFigureOut">
               <a:rPr lang="nl-NL" smtClean="0"/>
-              <a:t>2-12-2015</a:t>
+              <a:t>3-12-2015</a:t>
             </a:fld>
             <a:endParaRPr lang="nl-NL"/>
           </a:p>
@@ -1577,7 +1577,7 @@
           <a:p>
             <a:fld id="{92CFB954-93AE-443C-9105-0400A69CD1D8}" type="datetimeFigureOut">
               <a:rPr lang="nl-NL" smtClean="0"/>
-              <a:t>2-12-2015</a:t>
+              <a:t>3-12-2015</a:t>
             </a:fld>
             <a:endParaRPr lang="nl-NL"/>
           </a:p>
@@ -1727,7 +1727,7 @@
           <a:p>
             <a:fld id="{92CFB954-93AE-443C-9105-0400A69CD1D8}" type="datetimeFigureOut">
               <a:rPr lang="nl-NL" smtClean="0"/>
-              <a:t>2-12-2015</a:t>
+              <a:t>3-12-2015</a:t>
             </a:fld>
             <a:endParaRPr lang="nl-NL"/>
           </a:p>
@@ -1982,7 +1982,7 @@
           <a:p>
             <a:fld id="{92CFB954-93AE-443C-9105-0400A69CD1D8}" type="datetimeFigureOut">
               <a:rPr lang="nl-NL" smtClean="0"/>
-              <a:t>2-12-2015</a:t>
+              <a:t>3-12-2015</a:t>
             </a:fld>
             <a:endParaRPr lang="nl-NL"/>
           </a:p>
@@ -2391,7 +2391,7 @@
           <a:p>
             <a:fld id="{92CFB954-93AE-443C-9105-0400A69CD1D8}" type="datetimeFigureOut">
               <a:rPr lang="nl-NL" smtClean="0"/>
-              <a:t>2-12-2015</a:t>
+              <a:t>3-12-2015</a:t>
             </a:fld>
             <a:endParaRPr lang="nl-NL"/>
           </a:p>
@@ -2837,7 +2837,7 @@
           <a:p>
             <a:fld id="{92CFB954-93AE-443C-9105-0400A69CD1D8}" type="datetimeFigureOut">
               <a:rPr lang="nl-NL" smtClean="0"/>
-              <a:t>2-12-2015</a:t>
+              <a:t>3-12-2015</a:t>
             </a:fld>
             <a:endParaRPr lang="nl-NL"/>
           </a:p>
@@ -2938,7 +2938,7 @@
           <a:p>
             <a:fld id="{92CFB954-93AE-443C-9105-0400A69CD1D8}" type="datetimeFigureOut">
               <a:rPr lang="nl-NL" smtClean="0"/>
-              <a:t>2-12-2015</a:t>
+              <a:t>3-12-2015</a:t>
             </a:fld>
             <a:endParaRPr lang="nl-NL"/>
           </a:p>
@@ -3059,7 +3059,7 @@
           <a:p>
             <a:fld id="{92CFB954-93AE-443C-9105-0400A69CD1D8}" type="datetimeFigureOut">
               <a:rPr lang="nl-NL" smtClean="0"/>
-              <a:t>2-12-2015</a:t>
+              <a:t>3-12-2015</a:t>
             </a:fld>
             <a:endParaRPr lang="nl-NL"/>
           </a:p>
@@ -3333,7 +3333,7 @@
           <a:p>
             <a:fld id="{92CFB954-93AE-443C-9105-0400A69CD1D8}" type="datetimeFigureOut">
               <a:rPr lang="nl-NL" smtClean="0"/>
-              <a:t>2-12-2015</a:t>
+              <a:t>3-12-2015</a:t>
             </a:fld>
             <a:endParaRPr lang="nl-NL"/>
           </a:p>
@@ -3538,7 +3538,7 @@
           <a:p>
             <a:fld id="{92CFB954-93AE-443C-9105-0400A69CD1D8}" type="datetimeFigureOut">
               <a:rPr lang="nl-NL" smtClean="0"/>
-              <a:t>2-12-2015</a:t>
+              <a:t>3-12-2015</a:t>
             </a:fld>
             <a:endParaRPr lang="nl-NL"/>
           </a:p>
@@ -4647,7 +4647,7 @@
           <a:p>
             <a:fld id="{92CFB954-93AE-443C-9105-0400A69CD1D8}" type="datetimeFigureOut">
               <a:rPr lang="nl-NL" smtClean="0"/>
-              <a:t>2-12-2015</a:t>
+              <a:t>3-12-2015</a:t>
             </a:fld>
             <a:endParaRPr lang="nl-NL"/>
           </a:p>
@@ -5071,11 +5071,7 @@
           <a:p>
             <a:r>
               <a:rPr lang="nl-NL" dirty="0" smtClean="0"/>
-              <a:t>Week </a:t>
-            </a:r>
-            <a:r>
-              <a:rPr lang="nl-NL" dirty="0" smtClean="0"/>
-              <a:t>3 – Brute Force</a:t>
+              <a:t>Week 3 – Brute Force</a:t>
             </a:r>
             <a:endParaRPr lang="nl-NL" dirty="0"/>
           </a:p>
@@ -5228,6 +5224,47 @@
           </a:p>
         </p:txBody>
       </p:sp>
+      <p:pic>
+        <p:nvPicPr>
+          <p:cNvPr id="1026" name="Picture 2" descr="http://s1.nieuwsbladcdn.be/Assets/Images_Upload/2012/06/29/sudoku.jpg?scale=both&amp;format=jpg"/>
+          <p:cNvPicPr>
+            <a:picLocks noChangeAspect="1" noChangeArrowheads="1"/>
+          </p:cNvPicPr>
+          <p:nvPr/>
+        </p:nvPicPr>
+        <p:blipFill>
+          <a:blip r:embed="rId2">
+            <a:extLst>
+              <a:ext uri="{28A0092B-C50C-407E-A947-70E740481C1C}">
+                <a14:useLocalDpi xmlns:a14="http://schemas.microsoft.com/office/drawing/2010/main" val="0"/>
+              </a:ext>
+            </a:extLst>
+          </a:blip>
+          <a:srcRect/>
+          <a:stretch>
+            <a:fillRect/>
+          </a:stretch>
+        </p:blipFill>
+        <p:spPr bwMode="auto">
+          <a:xfrm>
+            <a:off x="2051720" y="2708920"/>
+            <a:ext cx="5905500" cy="3686176"/>
+          </a:xfrm>
+          <a:prstGeom prst="rect">
+            <a:avLst/>
+          </a:prstGeom>
+          <a:noFill/>
+          <a:extLst>
+            <a:ext uri="{909E8E84-426E-40DD-AFC4-6F175D3DCCD1}">
+              <a14:hiddenFill xmlns:a14="http://schemas.microsoft.com/office/drawing/2010/main">
+                <a:solidFill>
+                  <a:srgbClr val="FFFFFF"/>
+                </a:solidFill>
+              </a14:hiddenFill>
+            </a:ext>
+          </a:extLst>
+        </p:spPr>
+      </p:pic>
     </p:spTree>
     <p:extLst>
       <p:ext uri="{BB962C8B-B14F-4D97-AF65-F5344CB8AC3E}">
@@ -5280,6 +5317,30 @@
           <a:bodyPr/>
           <a:lstStyle/>
           <a:p>
+            <a:r>
+              <a:rPr lang="nl-NL" dirty="0" smtClean="0"/>
+              <a:t>Opbouwen </a:t>
+            </a:r>
+            <a:r>
+              <a:rPr lang="nl-NL" dirty="0" err="1" smtClean="0"/>
+              <a:t>Sudoku</a:t>
+            </a:r>
+            <a:r>
+              <a:rPr lang="nl-NL" dirty="0" smtClean="0"/>
+              <a:t> bord</a:t>
+            </a:r>
+          </a:p>
+          <a:p>
+            <a:r>
+              <a:rPr lang="nl-NL" dirty="0" smtClean="0"/>
+              <a:t>Pointers voor ieder object</a:t>
+            </a:r>
+          </a:p>
+          <a:p>
+            <a:r>
+              <a:rPr lang="nl-NL" dirty="0" smtClean="0"/>
+              <a:t>Stoppen wanneer de resterende waarden onmogelijk zijn</a:t>
+            </a:r>
             <a:endParaRPr lang="nl-NL" dirty="0"/>
           </a:p>
         </p:txBody>
@@ -5429,14 +5490,28 @@
                 <a:latin typeface="Cambria Math" panose="02040503050406030204" pitchFamily="18" charset="0"/>
                 <a:ea typeface="Cambria Math" panose="02040503050406030204" pitchFamily="18" charset="0"/>
               </a:rPr>
-              <a:t> = </a:t>
-            </a:r>
-            <a:r>
-              <a:rPr lang="nl-NL" dirty="0">
-                <a:latin typeface="Cambria Math" panose="02040503050406030204" pitchFamily="18" charset="0"/>
-                <a:ea typeface="Cambria Math" panose="02040503050406030204" pitchFamily="18" charset="0"/>
-              </a:rPr>
-              <a:t>0</a:t>
+              <a:t> = 0; </a:t>
+            </a:r>
+            <a:r>
+              <a:rPr lang="nl-NL" dirty="0" err="1">
+                <a:latin typeface="Cambria Math" panose="02040503050406030204" pitchFamily="18" charset="0"/>
+                <a:ea typeface="Cambria Math" panose="02040503050406030204" pitchFamily="18" charset="0"/>
+              </a:rPr>
+              <a:t>rowI</a:t>
+            </a:r>
+            <a:r>
+              <a:rPr lang="nl-NL" dirty="0">
+                <a:latin typeface="Cambria Math" panose="02040503050406030204" pitchFamily="18" charset="0"/>
+                <a:ea typeface="Cambria Math" panose="02040503050406030204" pitchFamily="18" charset="0"/>
+              </a:rPr>
+              <a:t> &lt; </a:t>
+            </a:r>
+            <a:r>
+              <a:rPr lang="nl-NL" dirty="0" err="1">
+                <a:latin typeface="Cambria Math" panose="02040503050406030204" pitchFamily="18" charset="0"/>
+                <a:ea typeface="Cambria Math" panose="02040503050406030204" pitchFamily="18" charset="0"/>
+              </a:rPr>
+              <a:t>size</a:t>
             </a:r>
             <a:r>
               <a:rPr lang="nl-NL" dirty="0">
@@ -5457,95 +5532,67 @@
                 <a:latin typeface="Cambria Math" panose="02040503050406030204" pitchFamily="18" charset="0"/>
                 <a:ea typeface="Cambria Math" panose="02040503050406030204" pitchFamily="18" charset="0"/>
               </a:rPr>
-              <a:t> &lt; </a:t>
+              <a:t>++)</a:t>
+            </a:r>
+            <a:br>
+              <a:rPr lang="nl-NL" dirty="0">
+                <a:latin typeface="Cambria Math" panose="02040503050406030204" pitchFamily="18" charset="0"/>
+                <a:ea typeface="Cambria Math" panose="02040503050406030204" pitchFamily="18" charset="0"/>
+              </a:rPr>
+            </a:br>
+            <a:r>
+              <a:rPr lang="nl-NL" dirty="0">
+                <a:latin typeface="Cambria Math" panose="02040503050406030204" pitchFamily="18" charset="0"/>
+                <a:ea typeface="Cambria Math" panose="02040503050406030204" pitchFamily="18" charset="0"/>
+              </a:rPr>
+              <a:t>{</a:t>
+            </a:r>
+            <a:br>
+              <a:rPr lang="nl-NL" dirty="0">
+                <a:latin typeface="Cambria Math" panose="02040503050406030204" pitchFamily="18" charset="0"/>
+                <a:ea typeface="Cambria Math" panose="02040503050406030204" pitchFamily="18" charset="0"/>
+              </a:rPr>
+            </a:br>
+            <a:r>
+              <a:rPr lang="nl-NL" dirty="0">
+                <a:latin typeface="Cambria Math" panose="02040503050406030204" pitchFamily="18" charset="0"/>
+                <a:ea typeface="Cambria Math" panose="02040503050406030204" pitchFamily="18" charset="0"/>
+              </a:rPr>
+              <a:t>    </a:t>
+            </a:r>
+            <a:r>
+              <a:rPr lang="nl-NL" b="1" dirty="0" err="1">
+                <a:latin typeface="Cambria Math" panose="02040503050406030204" pitchFamily="18" charset="0"/>
+                <a:ea typeface="Cambria Math" panose="02040503050406030204" pitchFamily="18" charset="0"/>
+              </a:rPr>
+              <a:t>for</a:t>
+            </a:r>
+            <a:r>
+              <a:rPr lang="nl-NL" b="1" dirty="0">
+                <a:latin typeface="Cambria Math" panose="02040503050406030204" pitchFamily="18" charset="0"/>
+                <a:ea typeface="Cambria Math" panose="02040503050406030204" pitchFamily="18" charset="0"/>
+              </a:rPr>
+              <a:t> </a:t>
+            </a:r>
+            <a:r>
+              <a:rPr lang="nl-NL" dirty="0">
+                <a:latin typeface="Cambria Math" panose="02040503050406030204" pitchFamily="18" charset="0"/>
+                <a:ea typeface="Cambria Math" panose="02040503050406030204" pitchFamily="18" charset="0"/>
+              </a:rPr>
+              <a:t>(</a:t>
+            </a:r>
+            <a:r>
+              <a:rPr lang="nl-NL" b="1" dirty="0">
+                <a:latin typeface="Cambria Math" panose="02040503050406030204" pitchFamily="18" charset="0"/>
+                <a:ea typeface="Cambria Math" panose="02040503050406030204" pitchFamily="18" charset="0"/>
+              </a:rPr>
+              <a:t>int </a:t>
             </a:r>
             <a:r>
               <a:rPr lang="nl-NL" dirty="0" err="1">
                 <a:latin typeface="Cambria Math" panose="02040503050406030204" pitchFamily="18" charset="0"/>
                 <a:ea typeface="Cambria Math" panose="02040503050406030204" pitchFamily="18" charset="0"/>
               </a:rPr>
-              <a:t>size</a:t>
-            </a:r>
-            <a:r>
-              <a:rPr lang="nl-NL" dirty="0">
-                <a:latin typeface="Cambria Math" panose="02040503050406030204" pitchFamily="18" charset="0"/>
-                <a:ea typeface="Cambria Math" panose="02040503050406030204" pitchFamily="18" charset="0"/>
-              </a:rPr>
-              <a:t>; </a:t>
-            </a:r>
-            <a:r>
-              <a:rPr lang="nl-NL" dirty="0" err="1">
-                <a:latin typeface="Cambria Math" panose="02040503050406030204" pitchFamily="18" charset="0"/>
-                <a:ea typeface="Cambria Math" panose="02040503050406030204" pitchFamily="18" charset="0"/>
-              </a:rPr>
-              <a:t>rowI</a:t>
-            </a:r>
-            <a:r>
-              <a:rPr lang="nl-NL" dirty="0">
-                <a:latin typeface="Cambria Math" panose="02040503050406030204" pitchFamily="18" charset="0"/>
-                <a:ea typeface="Cambria Math" panose="02040503050406030204" pitchFamily="18" charset="0"/>
-              </a:rPr>
-              <a:t>++)</a:t>
-            </a:r>
-            <a:br>
-              <a:rPr lang="nl-NL" dirty="0">
-                <a:latin typeface="Cambria Math" panose="02040503050406030204" pitchFamily="18" charset="0"/>
-                <a:ea typeface="Cambria Math" panose="02040503050406030204" pitchFamily="18" charset="0"/>
-              </a:rPr>
-            </a:br>
-            <a:r>
-              <a:rPr lang="nl-NL" dirty="0">
-                <a:latin typeface="Cambria Math" panose="02040503050406030204" pitchFamily="18" charset="0"/>
-                <a:ea typeface="Cambria Math" panose="02040503050406030204" pitchFamily="18" charset="0"/>
-              </a:rPr>
-              <a:t>{</a:t>
-            </a:r>
-            <a:br>
-              <a:rPr lang="nl-NL" dirty="0">
-                <a:latin typeface="Cambria Math" panose="02040503050406030204" pitchFamily="18" charset="0"/>
-                <a:ea typeface="Cambria Math" panose="02040503050406030204" pitchFamily="18" charset="0"/>
-              </a:rPr>
-            </a:br>
-            <a:r>
-              <a:rPr lang="nl-NL" dirty="0">
-                <a:latin typeface="Cambria Math" panose="02040503050406030204" pitchFamily="18" charset="0"/>
-                <a:ea typeface="Cambria Math" panose="02040503050406030204" pitchFamily="18" charset="0"/>
-              </a:rPr>
-              <a:t>    </a:t>
-            </a:r>
-            <a:r>
-              <a:rPr lang="nl-NL" b="1" dirty="0" err="1">
-                <a:latin typeface="Cambria Math" panose="02040503050406030204" pitchFamily="18" charset="0"/>
-                <a:ea typeface="Cambria Math" panose="02040503050406030204" pitchFamily="18" charset="0"/>
-              </a:rPr>
-              <a:t>for</a:t>
-            </a:r>
-            <a:r>
-              <a:rPr lang="nl-NL" b="1" dirty="0">
-                <a:latin typeface="Cambria Math" panose="02040503050406030204" pitchFamily="18" charset="0"/>
-                <a:ea typeface="Cambria Math" panose="02040503050406030204" pitchFamily="18" charset="0"/>
-              </a:rPr>
-              <a:t> </a:t>
-            </a:r>
-            <a:r>
-              <a:rPr lang="nl-NL" dirty="0">
-                <a:latin typeface="Cambria Math" panose="02040503050406030204" pitchFamily="18" charset="0"/>
-                <a:ea typeface="Cambria Math" panose="02040503050406030204" pitchFamily="18" charset="0"/>
-              </a:rPr>
-              <a:t>(</a:t>
-            </a:r>
-            <a:r>
-              <a:rPr lang="nl-NL" b="1" dirty="0">
-                <a:latin typeface="Cambria Math" panose="02040503050406030204" pitchFamily="18" charset="0"/>
-                <a:ea typeface="Cambria Math" panose="02040503050406030204" pitchFamily="18" charset="0"/>
-              </a:rPr>
-              <a:t>int </a:t>
-            </a:r>
-            <a:r>
-              <a:rPr lang="nl-NL" dirty="0" err="1">
-                <a:latin typeface="Cambria Math" panose="02040503050406030204" pitchFamily="18" charset="0"/>
-                <a:ea typeface="Cambria Math" panose="02040503050406030204" pitchFamily="18" charset="0"/>
-              </a:rPr>
               <a:t>columnI</a:t>
             </a:r>
             <a:r>
@@ -5553,21 +5600,7 @@
                 <a:latin typeface="Cambria Math" panose="02040503050406030204" pitchFamily="18" charset="0"/>
                 <a:ea typeface="Cambria Math" panose="02040503050406030204" pitchFamily="18" charset="0"/>
               </a:rPr>
-              <a:t> = </a:t>
-            </a:r>
-            <a:r>
-              <a:rPr lang="nl-NL" dirty="0">
-                <a:latin typeface="Cambria Math" panose="02040503050406030204" pitchFamily="18" charset="0"/>
-                <a:ea typeface="Cambria Math" panose="02040503050406030204" pitchFamily="18" charset="0"/>
-              </a:rPr>
-              <a:t>0</a:t>
-            </a:r>
-            <a:r>
-              <a:rPr lang="nl-NL" dirty="0">
-                <a:latin typeface="Cambria Math" panose="02040503050406030204" pitchFamily="18" charset="0"/>
-                <a:ea typeface="Cambria Math" panose="02040503050406030204" pitchFamily="18" charset="0"/>
-              </a:rPr>
-              <a:t>; </a:t>
+              <a:t> = 0; </a:t>
             </a:r>
             <a:r>
               <a:rPr lang="nl-NL" dirty="0" err="1">
@@ -5964,21 +5997,7 @@
                 <a:latin typeface="Cambria Math" panose="02040503050406030204" pitchFamily="18" charset="0"/>
                 <a:ea typeface="Cambria Math" panose="02040503050406030204" pitchFamily="18" charset="0"/>
               </a:rPr>
-              <a:t> = </a:t>
-            </a:r>
-            <a:r>
-              <a:rPr lang="nl-NL" dirty="0">
-                <a:latin typeface="Cambria Math" panose="02040503050406030204" pitchFamily="18" charset="0"/>
-                <a:ea typeface="Cambria Math" panose="02040503050406030204" pitchFamily="18" charset="0"/>
-              </a:rPr>
-              <a:t>0</a:t>
-            </a:r>
-            <a:r>
-              <a:rPr lang="nl-NL" dirty="0">
-                <a:latin typeface="Cambria Math" panose="02040503050406030204" pitchFamily="18" charset="0"/>
-                <a:ea typeface="Cambria Math" panose="02040503050406030204" pitchFamily="18" charset="0"/>
-              </a:rPr>
-              <a:t>;</a:t>
+              <a:t> = 0;</a:t>
             </a:r>
             <a:br>
               <a:rPr lang="nl-NL" dirty="0">
@@ -6121,21 +6140,7 @@
                 <a:latin typeface="Cambria Math" panose="02040503050406030204" pitchFamily="18" charset="0"/>
                 <a:ea typeface="Cambria Math" panose="02040503050406030204" pitchFamily="18" charset="0"/>
               </a:rPr>
-              <a:t> &lt; </a:t>
-            </a:r>
-            <a:r>
-              <a:rPr lang="nl-NL" dirty="0">
-                <a:latin typeface="Cambria Math" panose="02040503050406030204" pitchFamily="18" charset="0"/>
-                <a:ea typeface="Cambria Math" panose="02040503050406030204" pitchFamily="18" charset="0"/>
-              </a:rPr>
-              <a:t>9</a:t>
-            </a:r>
-            <a:r>
-              <a:rPr lang="nl-NL" dirty="0">
-                <a:latin typeface="Cambria Math" panose="02040503050406030204" pitchFamily="18" charset="0"/>
-                <a:ea typeface="Cambria Math" panose="02040503050406030204" pitchFamily="18" charset="0"/>
-              </a:rPr>
-              <a:t>)</a:t>
+              <a:t> &lt; 9)</a:t>
             </a:r>
             <a:br>
               <a:rPr lang="nl-NL" dirty="0">
@@ -6189,21 +6194,7 @@
                 <a:latin typeface="Cambria Math" panose="02040503050406030204" pitchFamily="18" charset="0"/>
                 <a:ea typeface="Cambria Math" panose="02040503050406030204" pitchFamily="18" charset="0"/>
               </a:rPr>
-              <a:t> + </a:t>
-            </a:r>
-            <a:r>
-              <a:rPr lang="nl-NL" dirty="0">
-                <a:latin typeface="Cambria Math" panose="02040503050406030204" pitchFamily="18" charset="0"/>
-                <a:ea typeface="Cambria Math" panose="02040503050406030204" pitchFamily="18" charset="0"/>
-              </a:rPr>
-              <a:t>1</a:t>
-            </a:r>
-            <a:r>
-              <a:rPr lang="nl-NL" dirty="0">
-                <a:latin typeface="Cambria Math" panose="02040503050406030204" pitchFamily="18" charset="0"/>
-                <a:ea typeface="Cambria Math" panose="02040503050406030204" pitchFamily="18" charset="0"/>
-              </a:rPr>
-              <a:t>;</a:t>
+              <a:t> + 1;</a:t>
             </a:r>
             <a:br>
               <a:rPr lang="nl-NL" dirty="0">
@@ -6678,15 +6669,7 @@
             </a:r>
             <a:r>
               <a:rPr lang="nl-NL" dirty="0"/>
-              <a:t> &gt;= </a:t>
-            </a:r>
-            <a:r>
-              <a:rPr lang="nl-NL" dirty="0"/>
-              <a:t>1</a:t>
-            </a:r>
-            <a:r>
-              <a:rPr lang="nl-NL" dirty="0"/>
-              <a:t>)</a:t>
+              <a:t> &gt;= 1)</a:t>
             </a:r>
             <a:br>
               <a:rPr lang="nl-NL" dirty="0"/>
@@ -6724,15 +6707,7 @@
             </a:r>
             <a:r>
               <a:rPr lang="nl-NL" dirty="0"/>
-              <a:t>, </a:t>
-            </a:r>
-            <a:r>
-              <a:rPr lang="nl-NL" dirty="0"/>
-              <a:t>0</a:t>
-            </a:r>
-            <a:r>
-              <a:rPr lang="nl-NL" dirty="0"/>
-              <a:t>, </a:t>
+              <a:t>, 0, </a:t>
             </a:r>
             <a:r>
               <a:rPr lang="nl-NL" b="1" dirty="0" err="1"/>
@@ -6763,15 +6738,7 @@
             </a:r>
             <a:r>
               <a:rPr lang="nl-NL" dirty="0"/>
-              <a:t> - </a:t>
-            </a:r>
-            <a:r>
-              <a:rPr lang="nl-NL" dirty="0"/>
-              <a:t>2</a:t>
-            </a:r>
-            <a:r>
-              <a:rPr lang="nl-NL" dirty="0"/>
-              <a:t>;</a:t>
+              <a:t> - 2;</a:t>
             </a:r>
             <a:br>
               <a:rPr lang="nl-NL" dirty="0"/>
@@ -6844,15 +6811,7 @@
             </a:r>
             <a:r>
               <a:rPr lang="nl-NL" dirty="0"/>
-              <a:t> &gt;= </a:t>
-            </a:r>
-            <a:r>
-              <a:rPr lang="nl-NL" dirty="0"/>
-              <a:t>1</a:t>
-            </a:r>
-            <a:r>
-              <a:rPr lang="nl-NL" dirty="0"/>
-              <a:t>)</a:t>
+              <a:t> &gt;= 1)</a:t>
             </a:r>
             <a:br>
               <a:rPr lang="nl-NL" dirty="0"/>
@@ -6890,15 +6849,7 @@
             </a:r>
             <a:r>
               <a:rPr lang="nl-NL" dirty="0"/>
-              <a:t>, </a:t>
-            </a:r>
-            <a:r>
-              <a:rPr lang="nl-NL" dirty="0"/>
-              <a:t>0</a:t>
-            </a:r>
-            <a:r>
-              <a:rPr lang="nl-NL" dirty="0"/>
-              <a:t>, </a:t>
+              <a:t>, 0, </a:t>
             </a:r>
             <a:r>
               <a:rPr lang="nl-NL" b="1" dirty="0" err="1"/>
@@ -6929,15 +6880,7 @@
             </a:r>
             <a:r>
               <a:rPr lang="nl-NL" dirty="0"/>
-              <a:t> - </a:t>
-            </a:r>
-            <a:r>
-              <a:rPr lang="nl-NL" dirty="0"/>
-              <a:t>1</a:t>
-            </a:r>
-            <a:r>
-              <a:rPr lang="nl-NL" dirty="0"/>
-              <a:t>;</a:t>
+              <a:t> - 1;</a:t>
             </a:r>
             <a:br>
               <a:rPr lang="nl-NL" dirty="0"/>
@@ -6960,15 +6903,7 @@
             </a:r>
             <a:r>
               <a:rPr lang="nl-NL" dirty="0"/>
-              <a:t> - </a:t>
-            </a:r>
-            <a:r>
-              <a:rPr lang="nl-NL" dirty="0"/>
-              <a:t>2</a:t>
-            </a:r>
-            <a:r>
-              <a:rPr lang="nl-NL" dirty="0"/>
-              <a:t>;</a:t>
+              <a:t> - 2;</a:t>
             </a:r>
             <a:br>
               <a:rPr lang="nl-NL" dirty="0"/>
@@ -7097,15 +7032,7 @@
             </a:r>
             <a:r>
               <a:rPr lang="nl-NL" dirty="0"/>
-              <a:t> &gt;= </a:t>
-            </a:r>
-            <a:r>
-              <a:rPr lang="nl-NL" dirty="0"/>
-              <a:t>1</a:t>
-            </a:r>
-            <a:r>
-              <a:rPr lang="nl-NL" dirty="0"/>
-              <a:t>)</a:t>
+              <a:t> &gt;= 1)</a:t>
             </a:r>
             <a:br>
               <a:rPr lang="nl-NL" dirty="0"/>
@@ -7135,15 +7062,7 @@
             </a:r>
             <a:r>
               <a:rPr lang="nl-NL" dirty="0"/>
-              <a:t> - </a:t>
-            </a:r>
-            <a:r>
-              <a:rPr lang="nl-NL" dirty="0"/>
-              <a:t>2</a:t>
-            </a:r>
-            <a:r>
-              <a:rPr lang="nl-NL" dirty="0"/>
-              <a:t>;</a:t>
+              <a:t> - 2;</a:t>
             </a:r>
             <a:br>
               <a:rPr lang="nl-NL" dirty="0"/>
@@ -7201,15 +7120,7 @@
             </a:r>
             <a:r>
               <a:rPr lang="nl-NL" dirty="0"/>
-              <a:t> &gt;= </a:t>
-            </a:r>
-            <a:r>
-              <a:rPr lang="nl-NL" dirty="0"/>
-              <a:t>1</a:t>
-            </a:r>
-            <a:r>
-              <a:rPr lang="nl-NL" dirty="0"/>
-              <a:t>)</a:t>
+              <a:t> &gt;= 1)</a:t>
             </a:r>
             <a:br>
               <a:rPr lang="nl-NL" dirty="0"/>
@@ -7239,15 +7150,7 @@
             </a:r>
             <a:r>
               <a:rPr lang="nl-NL" dirty="0"/>
-              <a:t> - </a:t>
-            </a:r>
-            <a:r>
-              <a:rPr lang="nl-NL" dirty="0"/>
-              <a:t>1</a:t>
-            </a:r>
-            <a:r>
-              <a:rPr lang="nl-NL" dirty="0"/>
-              <a:t>;</a:t>
+              <a:t> - 1;</a:t>
             </a:r>
             <a:br>
               <a:rPr lang="nl-NL" dirty="0"/>
@@ -7270,15 +7173,7 @@
             </a:r>
             <a:r>
               <a:rPr lang="nl-NL" dirty="0"/>
-              <a:t> - </a:t>
-            </a:r>
-            <a:r>
-              <a:rPr lang="nl-NL" dirty="0"/>
-              <a:t>2</a:t>
-            </a:r>
-            <a:r>
-              <a:rPr lang="nl-NL" dirty="0"/>
-              <a:t>;</a:t>
+              <a:t> - 2;</a:t>
             </a:r>
             <a:br>
               <a:rPr lang="nl-NL" dirty="0"/>
